--- a/Dokumente/Präsentation Final.pptx
+++ b/Dokumente/Präsentation Final.pptx
@@ -5,7 +5,7 @@
     <p:sldMasterId id="2147483743" r:id="rId1"/>
   </p:sldMasterIdLst>
   <p:notesMasterIdLst>
-    <p:notesMasterId r:id="rId11"/>
+    <p:notesMasterId r:id="rId13"/>
   </p:notesMasterIdLst>
   <p:sldIdLst>
     <p:sldId id="256" r:id="rId2"/>
@@ -15,8 +15,10 @@
     <p:sldId id="263" r:id="rId6"/>
     <p:sldId id="261" r:id="rId7"/>
     <p:sldId id="264" r:id="rId8"/>
-    <p:sldId id="265" r:id="rId9"/>
-    <p:sldId id="266" r:id="rId10"/>
+    <p:sldId id="268" r:id="rId9"/>
+    <p:sldId id="267" r:id="rId10"/>
+    <p:sldId id="265" r:id="rId11"/>
+    <p:sldId id="266" r:id="rId12"/>
   </p:sldIdLst>
   <p:sldSz cx="12192000" cy="6858000"/>
   <p:notesSz cx="6858000" cy="9144000"/>
@@ -115,6 +117,11 @@
       </a:defRPr>
     </a:lvl9pPr>
   </p:defaultTextStyle>
+  <p:extLst>
+    <p:ext uri="{EFAFB233-063F-42B5-8137-9DF3F51BA10A}">
+      <p15:sldGuideLst xmlns:p15="http://schemas.microsoft.com/office/powerpoint/2012/main"/>
+    </p:ext>
+  </p:extLst>
 </p:presentation>
 </file>
 
@@ -4412,6 +4419,194 @@
 </p:sld>
 </file>
 
+<file path=ppt/slides/slide10.xml><?xml version="1.0" encoding="utf-8"?>
+<p:sld xmlns:a="http://schemas.openxmlformats.org/drawingml/2006/main" xmlns:r="http://schemas.openxmlformats.org/officeDocument/2006/relationships" xmlns:p="http://schemas.openxmlformats.org/presentationml/2006/main">
+  <p:cSld>
+    <p:spTree>
+      <p:nvGrpSpPr>
+        <p:cNvPr id="1" name=""/>
+        <p:cNvGrpSpPr/>
+        <p:nvPr/>
+      </p:nvGrpSpPr>
+      <p:grpSpPr>
+        <a:xfrm>
+          <a:off x="0" y="0"/>
+          <a:ext cx="0" cy="0"/>
+          <a:chOff x="0" y="0"/>
+          <a:chExt cx="0" cy="0"/>
+        </a:xfrm>
+      </p:grpSpPr>
+      <p:sp>
+        <p:nvSpPr>
+          <p:cNvPr id="2" name="Titel 1"/>
+          <p:cNvSpPr>
+            <a:spLocks noGrp="1"/>
+          </p:cNvSpPr>
+          <p:nvPr>
+            <p:ph type="title"/>
+          </p:nvPr>
+        </p:nvSpPr>
+        <p:spPr/>
+        <p:txBody>
+          <a:bodyPr/>
+          <a:lstStyle/>
+          <a:p>
+            <a:r>
+              <a:rPr lang="de-DE" dirty="0" smtClean="0"/>
+              <a:t>Fazit</a:t>
+            </a:r>
+            <a:endParaRPr lang="de-DE" dirty="0"/>
+          </a:p>
+        </p:txBody>
+      </p:sp>
+      <p:sp>
+        <p:nvSpPr>
+          <p:cNvPr id="3" name="Inhaltsplatzhalter 2"/>
+          <p:cNvSpPr>
+            <a:spLocks noGrp="1"/>
+          </p:cNvSpPr>
+          <p:nvPr>
+            <p:ph idx="1"/>
+          </p:nvPr>
+        </p:nvSpPr>
+        <p:spPr/>
+        <p:txBody>
+          <a:bodyPr/>
+          <a:lstStyle/>
+          <a:p>
+            <a:r>
+              <a:rPr lang="de-DE" dirty="0" smtClean="0"/>
+              <a:t>Viel gelernt</a:t>
+            </a:r>
+          </a:p>
+          <a:p>
+            <a:pPr lvl="1"/>
+            <a:r>
+              <a:rPr lang="de-DE" dirty="0" smtClean="0"/>
+              <a:t>Android sehr </a:t>
+            </a:r>
+            <a:r>
+              <a:rPr lang="de-DE" dirty="0" smtClean="0"/>
+              <a:t>interessant und gut zu nutzen</a:t>
+            </a:r>
+          </a:p>
+          <a:p>
+            <a:pPr lvl="1"/>
+            <a:endParaRPr lang="de-DE" dirty="0" smtClean="0"/>
+          </a:p>
+          <a:p>
+            <a:pPr lvl="1"/>
+            <a:endParaRPr lang="de-DE" dirty="0"/>
+          </a:p>
+        </p:txBody>
+      </p:sp>
+    </p:spTree>
+    <p:extLst>
+      <p:ext uri="{BB962C8B-B14F-4D97-AF65-F5344CB8AC3E}">
+        <p14:creationId xmlns:p14="http://schemas.microsoft.com/office/powerpoint/2010/main" val="3604715538"/>
+      </p:ext>
+    </p:extLst>
+  </p:cSld>
+  <p:clrMapOvr>
+    <a:masterClrMapping/>
+  </p:clrMapOvr>
+  <p:timing>
+    <p:tnLst>
+      <p:par>
+        <p:cTn id="1" dur="indefinite" restart="never" nodeType="tmRoot"/>
+      </p:par>
+    </p:tnLst>
+  </p:timing>
+</p:sld>
+</file>
+
+<file path=ppt/slides/slide11.xml><?xml version="1.0" encoding="utf-8"?>
+<p:sld xmlns:a="http://schemas.openxmlformats.org/drawingml/2006/main" xmlns:r="http://schemas.openxmlformats.org/officeDocument/2006/relationships" xmlns:p="http://schemas.openxmlformats.org/presentationml/2006/main">
+  <p:cSld>
+    <p:spTree>
+      <p:nvGrpSpPr>
+        <p:cNvPr id="1" name=""/>
+        <p:cNvGrpSpPr/>
+        <p:nvPr/>
+      </p:nvGrpSpPr>
+      <p:grpSpPr>
+        <a:xfrm>
+          <a:off x="0" y="0"/>
+          <a:ext cx="0" cy="0"/>
+          <a:chOff x="0" y="0"/>
+          <a:chExt cx="0" cy="0"/>
+        </a:xfrm>
+      </p:grpSpPr>
+      <p:sp>
+        <p:nvSpPr>
+          <p:cNvPr id="2" name="Titel 1"/>
+          <p:cNvSpPr>
+            <a:spLocks noGrp="1"/>
+          </p:cNvSpPr>
+          <p:nvPr>
+            <p:ph type="title"/>
+          </p:nvPr>
+        </p:nvSpPr>
+        <p:spPr/>
+        <p:txBody>
+          <a:bodyPr/>
+          <a:lstStyle/>
+          <a:p>
+            <a:r>
+              <a:rPr lang="de-DE" dirty="0" smtClean="0"/>
+              <a:t>Ausblick</a:t>
+            </a:r>
+            <a:endParaRPr lang="de-DE" dirty="0"/>
+          </a:p>
+        </p:txBody>
+      </p:sp>
+      <p:sp>
+        <p:nvSpPr>
+          <p:cNvPr id="3" name="Inhaltsplatzhalter 2"/>
+          <p:cNvSpPr>
+            <a:spLocks noGrp="1"/>
+          </p:cNvSpPr>
+          <p:nvPr>
+            <p:ph idx="1"/>
+          </p:nvPr>
+        </p:nvSpPr>
+        <p:spPr/>
+        <p:txBody>
+          <a:bodyPr/>
+          <a:lstStyle/>
+          <a:p>
+            <a:r>
+              <a:rPr lang="de-DE" dirty="0" smtClean="0"/>
+              <a:t>Wir wollen in den </a:t>
+            </a:r>
+            <a:r>
+              <a:rPr lang="de-DE" dirty="0" err="1" smtClean="0"/>
+              <a:t>AppStore</a:t>
+            </a:r>
+            <a:endParaRPr lang="de-DE" dirty="0"/>
+          </a:p>
+        </p:txBody>
+      </p:sp>
+    </p:spTree>
+    <p:extLst>
+      <p:ext uri="{BB962C8B-B14F-4D97-AF65-F5344CB8AC3E}">
+        <p14:creationId xmlns:p14="http://schemas.microsoft.com/office/powerpoint/2010/main" val="2216419945"/>
+      </p:ext>
+    </p:extLst>
+  </p:cSld>
+  <p:clrMapOvr>
+    <a:masterClrMapping/>
+  </p:clrMapOvr>
+  <p:timing>
+    <p:tnLst>
+      <p:par>
+        <p:cTn id="1" dur="indefinite" restart="never" nodeType="tmRoot"/>
+      </p:par>
+    </p:tnLst>
+  </p:timing>
+</p:sld>
+</file>
+
 <file path=ppt/slides/slide2.xml><?xml version="1.0" encoding="utf-8"?>
 <p:sld xmlns:a="http://schemas.openxmlformats.org/drawingml/2006/main" xmlns:r="http://schemas.openxmlformats.org/officeDocument/2006/relationships" xmlns:p="http://schemas.openxmlformats.org/presentationml/2006/main">
   <p:cSld>
@@ -4473,7 +4668,7 @@
           <a:p>
             <a:r>
               <a:rPr lang="de-DE" dirty="0" smtClean="0"/>
-              <a:t>Video</a:t>
+              <a:t>Hier kommt der Medienbruch  - Video</a:t>
             </a:r>
             <a:endParaRPr lang="de-DE" dirty="0"/>
           </a:p>
@@ -4699,11 +4894,11 @@
   <p:clrMapOvr>
     <a:masterClrMapping/>
   </p:clrMapOvr>
-  <mc:AlternateContent xmlns:mc="http://schemas.openxmlformats.org/markup-compatibility/2006">
-    <mc:Choice xmlns:p14="http://schemas.microsoft.com/office/powerpoint/2010/main" Requires="p14">
+  <mc:AlternateContent xmlns:mc="http://schemas.openxmlformats.org/markup-compatibility/2006" xmlns:p14="http://schemas.microsoft.com/office/powerpoint/2010/main">
+    <mc:Choice Requires="p14">
       <p:transition p14:dur="0"/>
     </mc:Choice>
-    <mc:Fallback>
+    <mc:Fallback xmlns="">
       <p:transition/>
     </mc:Fallback>
   </mc:AlternateContent>
@@ -7627,6 +7822,74 @@
           <a:bodyPr/>
           <a:lstStyle/>
           <a:p>
+            <a:r>
+              <a:rPr lang="de-DE" dirty="0" err="1" smtClean="0"/>
+              <a:t>RestApi</a:t>
+            </a:r>
+            <a:r>
+              <a:rPr lang="de-DE" dirty="0" smtClean="0"/>
+              <a:t>:</a:t>
+            </a:r>
+          </a:p>
+          <a:p>
+            <a:pPr lvl="1"/>
+            <a:r>
+              <a:rPr lang="de-DE" dirty="0" err="1" smtClean="0"/>
+              <a:t>Dropwizard</a:t>
+            </a:r>
+            <a:endParaRPr lang="de-DE" dirty="0" smtClean="0"/>
+          </a:p>
+          <a:p>
+            <a:pPr lvl="1"/>
+            <a:r>
+              <a:rPr lang="de-DE" dirty="0" smtClean="0"/>
+              <a:t>Jackson</a:t>
+            </a:r>
+          </a:p>
+          <a:p>
+            <a:pPr lvl="1"/>
+            <a:r>
+              <a:rPr lang="de-DE" dirty="0" smtClean="0"/>
+              <a:t>Jersey</a:t>
+            </a:r>
+          </a:p>
+          <a:p>
+            <a:pPr lvl="1"/>
+            <a:r>
+              <a:rPr lang="de-DE" dirty="0" err="1" smtClean="0"/>
+              <a:t>Jetty</a:t>
+            </a:r>
+            <a:endParaRPr lang="de-DE" dirty="0" smtClean="0"/>
+          </a:p>
+          <a:p>
+            <a:r>
+              <a:rPr lang="de-DE" dirty="0" smtClean="0"/>
+              <a:t>Datenbank:</a:t>
+            </a:r>
+          </a:p>
+          <a:p>
+            <a:pPr lvl="1"/>
+            <a:r>
+              <a:rPr lang="de-DE" dirty="0" smtClean="0"/>
+              <a:t>H2</a:t>
+            </a:r>
+          </a:p>
+          <a:p>
+            <a:pPr lvl="1"/>
+            <a:r>
+              <a:rPr lang="de-DE" dirty="0" err="1"/>
+              <a:t>Hibernate</a:t>
+            </a:r>
+            <a:r>
+              <a:rPr lang="de-DE" dirty="0"/>
+              <a:t> </a:t>
+            </a:r>
+          </a:p>
+          <a:p>
+            <a:pPr lvl="1"/>
+            <a:endParaRPr lang="de-DE" dirty="0" smtClean="0"/>
+          </a:p>
+          <a:p>
             <a:endParaRPr lang="de-DE" dirty="0"/>
           </a:p>
         </p:txBody>
@@ -7706,7 +7969,148 @@
           <a:bodyPr/>
           <a:lstStyle/>
           <a:p>
-            <a:endParaRPr lang="de-DE"/>
+            <a:r>
+              <a:rPr lang="de-DE" dirty="0" err="1" smtClean="0"/>
+              <a:t>DAO‘s</a:t>
+            </a:r>
+            <a:endParaRPr lang="de-DE" dirty="0" smtClean="0"/>
+          </a:p>
+          <a:p>
+            <a:pPr lvl="1"/>
+            <a:r>
+              <a:rPr lang="de-DE" dirty="0" smtClean="0"/>
+              <a:t>Senden Anfragen an Server über </a:t>
+            </a:r>
+            <a:r>
+              <a:rPr lang="de-DE" dirty="0" err="1" smtClean="0"/>
+              <a:t>RemoteDAO‘s</a:t>
+            </a:r>
+            <a:endParaRPr lang="de-DE" dirty="0" smtClean="0"/>
+          </a:p>
+          <a:p>
+            <a:pPr lvl="2"/>
+            <a:r>
+              <a:rPr lang="de-DE" dirty="0" smtClean="0"/>
+              <a:t>Erfolgreich:</a:t>
+            </a:r>
+          </a:p>
+          <a:p>
+            <a:pPr lvl="3"/>
+            <a:r>
+              <a:rPr lang="de-DE" dirty="0" smtClean="0"/>
+              <a:t>Speichere Antwort in lokaler DB mit </a:t>
+            </a:r>
+            <a:r>
+              <a:rPr lang="de-DE" dirty="0" err="1" smtClean="0"/>
+              <a:t>LocalDAO‘s</a:t>
+            </a:r>
+            <a:endParaRPr lang="de-DE" dirty="0" smtClean="0"/>
+          </a:p>
+          <a:p>
+            <a:pPr lvl="2"/>
+            <a:r>
+              <a:rPr lang="de-DE" dirty="0" smtClean="0"/>
+              <a:t>Keine Verbindung: </a:t>
+            </a:r>
+          </a:p>
+          <a:p>
+            <a:pPr lvl="3"/>
+            <a:r>
+              <a:rPr lang="de-DE" dirty="0" smtClean="0"/>
+              <a:t>Nutze </a:t>
+            </a:r>
+            <a:r>
+              <a:rPr lang="de-DE" dirty="0" err="1" smtClean="0"/>
+              <a:t>LocalDAO‘s</a:t>
+            </a:r>
+            <a:endParaRPr lang="de-DE" dirty="0" smtClean="0"/>
+          </a:p>
+          <a:p>
+            <a:pPr lvl="3"/>
+            <a:r>
+              <a:rPr lang="de-DE" dirty="0" smtClean="0"/>
+              <a:t>Bei save, update, </a:t>
+            </a:r>
+            <a:r>
+              <a:rPr lang="de-DE" dirty="0" err="1" smtClean="0"/>
+              <a:t>delete</a:t>
+            </a:r>
+            <a:r>
+              <a:rPr lang="de-DE" dirty="0" smtClean="0"/>
+              <a:t> füge </a:t>
+            </a:r>
+            <a:r>
+              <a:rPr lang="de-DE" dirty="0" err="1" smtClean="0"/>
+              <a:t>Object</a:t>
+            </a:r>
+            <a:r>
+              <a:rPr lang="de-DE" dirty="0" smtClean="0"/>
+              <a:t> zum </a:t>
+            </a:r>
+            <a:r>
+              <a:rPr lang="de-DE" dirty="0" err="1" smtClean="0"/>
+              <a:t>SyncService</a:t>
+            </a:r>
+            <a:r>
+              <a:rPr lang="de-DE" dirty="0" smtClean="0"/>
+              <a:t> Stack hinzu</a:t>
+            </a:r>
+          </a:p>
+          <a:p>
+            <a:r>
+              <a:rPr lang="de-DE" dirty="0" smtClean="0"/>
+              <a:t>Service</a:t>
+            </a:r>
+          </a:p>
+          <a:p>
+            <a:pPr lvl="1"/>
+            <a:r>
+              <a:rPr lang="de-DE" dirty="0" smtClean="0"/>
+              <a:t>Stack zu synchronisierender Objekte</a:t>
+            </a:r>
+          </a:p>
+          <a:p>
+            <a:pPr lvl="1"/>
+            <a:r>
+              <a:rPr lang="de-DE" dirty="0" smtClean="0"/>
+              <a:t>Nutzt </a:t>
+            </a:r>
+            <a:r>
+              <a:rPr lang="de-DE" dirty="0" err="1" smtClean="0"/>
+              <a:t>Local</a:t>
+            </a:r>
+            <a:r>
+              <a:rPr lang="de-DE" dirty="0" smtClean="0"/>
+              <a:t>- und </a:t>
+            </a:r>
+            <a:r>
+              <a:rPr lang="de-DE" dirty="0" err="1" smtClean="0"/>
+              <a:t>RemoteDAO‘s</a:t>
+            </a:r>
+            <a:endParaRPr lang="de-DE" dirty="0" smtClean="0"/>
+          </a:p>
+          <a:p>
+            <a:pPr lvl="1"/>
+            <a:r>
+              <a:rPr lang="de-DE" dirty="0" smtClean="0"/>
+              <a:t>Für jede Entity eigene Strategie </a:t>
+            </a:r>
+          </a:p>
+          <a:p>
+            <a:pPr lvl="2"/>
+            <a:r>
+              <a:rPr lang="de-DE" dirty="0" smtClean="0"/>
+              <a:t>je nach Operation (</a:t>
+            </a:r>
+            <a:r>
+              <a:rPr lang="de-DE" dirty="0" err="1" smtClean="0"/>
+              <a:t>insert,update,delete</a:t>
+            </a:r>
+            <a:r>
+              <a:rPr lang="de-DE" dirty="0" smtClean="0"/>
+              <a:t>)</a:t>
+            </a:r>
+            <a:endParaRPr lang="de-DE" dirty="0"/>
           </a:p>
         </p:txBody>
       </p:sp>
@@ -7785,7 +8189,7 @@
           <a:bodyPr/>
           <a:lstStyle/>
           <a:p>
-            <a:endParaRPr lang="de-DE"/>
+            <a:endParaRPr lang="de-DE" dirty="0"/>
           </a:p>
         </p:txBody>
       </p:sp>
@@ -7843,7 +8247,7 @@
           <a:p>
             <a:r>
               <a:rPr lang="de-DE" dirty="0" smtClean="0"/>
-              <a:t>Fazit</a:t>
+              <a:t>Soll-Ist-Vergleich</a:t>
             </a:r>
             <a:endParaRPr lang="de-DE" dirty="0"/>
           </a:p>
@@ -7864,20 +8268,6 @@
           <a:bodyPr/>
           <a:lstStyle/>
           <a:p>
-            <a:r>
-              <a:rPr lang="de-DE" dirty="0" smtClean="0"/>
-              <a:t>Viel gelernt</a:t>
-            </a:r>
-          </a:p>
-          <a:p>
-            <a:pPr lvl="1"/>
-            <a:r>
-              <a:rPr lang="de-DE" dirty="0" smtClean="0"/>
-              <a:t>Android sehr interessant</a:t>
-            </a:r>
-          </a:p>
-          <a:p>
-            <a:pPr lvl="1"/>
             <a:endParaRPr lang="de-DE" dirty="0"/>
           </a:p>
         </p:txBody>
@@ -7885,7 +8275,7 @@
     </p:spTree>
     <p:extLst>
       <p:ext uri="{BB962C8B-B14F-4D97-AF65-F5344CB8AC3E}">
-        <p14:creationId xmlns:p14="http://schemas.microsoft.com/office/powerpoint/2010/main" val="3604715538"/>
+        <p14:creationId xmlns:p14="http://schemas.microsoft.com/office/powerpoint/2010/main" val="1998058394"/>
       </p:ext>
     </p:extLst>
   </p:cSld>
@@ -7936,7 +8326,7 @@
           <a:p>
             <a:r>
               <a:rPr lang="de-DE" dirty="0" smtClean="0"/>
-              <a:t>Ausblick</a:t>
+              <a:t>Was lief nicht gut</a:t>
             </a:r>
             <a:endParaRPr lang="de-DE" dirty="0"/>
           </a:p>
@@ -7959,12 +8349,26 @@
           <a:p>
             <a:r>
               <a:rPr lang="de-DE" dirty="0" smtClean="0"/>
-              <a:t>Wir wollen in den </a:t>
-            </a:r>
-            <a:r>
-              <a:rPr lang="de-DE" dirty="0" err="1" smtClean="0"/>
-              <a:t>Appstore</a:t>
-            </a:r>
+              <a:t>Viel gelernt</a:t>
+            </a:r>
+          </a:p>
+          <a:p>
+            <a:pPr lvl="1"/>
+            <a:r>
+              <a:rPr lang="de-DE" dirty="0" smtClean="0"/>
+              <a:t>Android sehr </a:t>
+            </a:r>
+            <a:r>
+              <a:rPr lang="de-DE" dirty="0" smtClean="0"/>
+              <a:t>interessant und gut zu nutzen</a:t>
+            </a:r>
+          </a:p>
+          <a:p>
+            <a:pPr lvl="1"/>
+            <a:endParaRPr lang="de-DE" dirty="0" smtClean="0"/>
+          </a:p>
+          <a:p>
+            <a:pPr lvl="1"/>
             <a:endParaRPr lang="de-DE" dirty="0"/>
           </a:p>
         </p:txBody>
@@ -7972,7 +8376,7 @@
     </p:spTree>
     <p:extLst>
       <p:ext uri="{BB962C8B-B14F-4D97-AF65-F5344CB8AC3E}">
-        <p14:creationId xmlns:p14="http://schemas.microsoft.com/office/powerpoint/2010/main" val="2216419945"/>
+        <p14:creationId xmlns:p14="http://schemas.microsoft.com/office/powerpoint/2010/main" val="2836193728"/>
       </p:ext>
     </p:extLst>
   </p:cSld>
